--- a/Phase II Presentation.pptx
+++ b/Phase II Presentation.pptx
@@ -17322,7 +17322,7 @@
             <a:tbl>
               <a:tblPr>
                 <a:noFill/>
-                <a:tableStyleId>{D8D40C06-331F-41DB-8738-454ACAAA304F}</a:tableStyleId>
+                <a:tableStyleId>{4BCA6999-2BD7-4B86-9122-8F87EB3B722E}</a:tableStyleId>
               </a:tblPr>
               <a:tblGrid>
                 <a:gridCol w="1850800"/>
@@ -19140,7 +19140,7 @@
             <a:tbl>
               <a:tblPr>
                 <a:noFill/>
-                <a:tableStyleId>{D8D40C06-331F-41DB-8738-454ACAAA304F}</a:tableStyleId>
+                <a:tableStyleId>{4BCA6999-2BD7-4B86-9122-8F87EB3B722E}</a:tableStyleId>
               </a:tblPr>
               <a:tblGrid>
                 <a:gridCol w="1324725"/>
@@ -21646,7 +21646,7 @@
             <a:tbl>
               <a:tblPr>
                 <a:noFill/>
-                <a:tableStyleId>{D8D40C06-331F-41DB-8738-454ACAAA304F}</a:tableStyleId>
+                <a:tableStyleId>{4BCA6999-2BD7-4B86-9122-8F87EB3B722E}</a:tableStyleId>
               </a:tblPr>
               <a:tblGrid>
                 <a:gridCol w="1172600"/>
@@ -22084,7 +22084,7 @@
             <a:tbl>
               <a:tblPr>
                 <a:noFill/>
-                <a:tableStyleId>{D8D40C06-331F-41DB-8738-454ACAAA304F}</a:tableStyleId>
+                <a:tableStyleId>{4BCA6999-2BD7-4B86-9122-8F87EB3B722E}</a:tableStyleId>
               </a:tblPr>
               <a:tblGrid>
                 <a:gridCol w="1134825"/>
